--- a/HPX_architecture.pptx
+++ b/HPX_architecture.pptx
@@ -112,7 +112,7 @@
             <a:srgbClr val="A4A3A4"/>
           </p15:clr>
         </p15:guide>
-        <p15:guide id="2" pos="3840" userDrawn="1">
+        <p15:guide id="2" pos="4152" userDrawn="1">
           <p15:clr>
             <a:srgbClr val="A4A3A4"/>
           </p15:clr>
@@ -3019,18 +3019,6 @@
                 <a:gs pos="100000">
                   <a:schemeClr val="accent1"/>
                 </a:gs>
-                <a:gs pos="100000">
-                  <a:schemeClr val="accent1">
-                    <a:lumMod val="45000"/>
-                    <a:lumOff val="55000"/>
-                  </a:schemeClr>
-                </a:gs>
-                <a:gs pos="100000">
-                  <a:schemeClr val="accent1">
-                    <a:lumMod val="30000"/>
-                    <a:lumOff val="70000"/>
-                  </a:schemeClr>
-                </a:gs>
               </a:gsLst>
               <a:lin ang="5400000" scaled="1"/>
             </a:gradFill>
@@ -3058,7 +3046,7 @@
             <a:bodyPr rtlCol="0" anchor="ctr"/>
             <a:lstStyle/>
             <a:p>
-              <a:pPr lvl="1" algn="ctr"/>
+              <a:pPr algn="ctr"/>
               <a:r>
                 <a:rPr lang="en-US" sz="1600" dirty="0" smtClean="0">
                   <a:solidFill>
@@ -3133,7 +3121,7 @@
             <a:bodyPr rtlCol="0" anchor="ctr"/>
             <a:lstStyle/>
             <a:p>
-              <a:pPr lvl="1" algn="ctr"/>
+              <a:pPr algn="ctr"/>
               <a:r>
                 <a:rPr lang="en-US" sz="1600" dirty="0" smtClean="0">
                   <a:solidFill>
@@ -3806,10 +3794,10 @@
           </p:nvGrpSpPr>
           <p:grpSpPr>
             <a:xfrm>
-              <a:off x="4805556" y="1166374"/>
-              <a:ext cx="3660595" cy="4272960"/>
-              <a:chOff x="4058331" y="700124"/>
-              <a:chExt cx="4188944" cy="5257726"/>
+              <a:off x="4805556" y="1176486"/>
+              <a:ext cx="3660595" cy="4249839"/>
+              <a:chOff x="4058331" y="712566"/>
+              <a:chExt cx="4188944" cy="5229277"/>
             </a:xfrm>
           </p:grpSpPr>
           <p:grpSp>
@@ -3867,22 +3855,14 @@
                   <a:pPr algn="ctr"/>
                   <a:r>
                     <a:rPr lang="en-US" sz="1600" dirty="0" smtClean="0"/>
-                    <a:t>Performance </a:t>
-                  </a:r>
-                  <a:r>
-                    <a:rPr lang="en-US" sz="1600" dirty="0" smtClean="0"/>
-                    <a:t>Counter</a:t>
+                    <a:t>Performance Counter</a:t>
                   </a:r>
                 </a:p>
                 <a:p>
                   <a:pPr algn="ctr"/>
                   <a:r>
                     <a:rPr lang="en-US" sz="1600" dirty="0" smtClean="0"/>
-                    <a:t> </a:t>
-                  </a:r>
-                  <a:r>
-                    <a:rPr lang="en-US" sz="1600" dirty="0" smtClean="0"/>
-                    <a:t>Framework</a:t>
+                    <a:t> Framework</a:t>
                   </a:r>
                   <a:endParaRPr lang="en-US" sz="1600" dirty="0"/>
                 </a:p>
@@ -4063,56 +4043,13 @@
           </p:grpSp>
           <p:sp>
             <p:nvSpPr>
-              <p:cNvPr id="52" name="Left Arrow 51"/>
-              <p:cNvSpPr/>
-              <p:nvPr/>
-            </p:nvSpPr>
-            <p:spPr>
-              <a:xfrm rot="16200000">
-                <a:off x="4727108" y="1894597"/>
-                <a:ext cx="2737783" cy="484632"/>
-              </a:xfrm>
-              <a:prstGeom prst="leftArrow">
-                <a:avLst/>
-              </a:prstGeom>
-              <a:solidFill>
-                <a:schemeClr val="accent6"/>
-              </a:solidFill>
-            </p:spPr>
-            <p:style>
-              <a:lnRef idx="2">
-                <a:schemeClr val="accent1">
-                  <a:shade val="50000"/>
-                </a:schemeClr>
-              </a:lnRef>
-              <a:fillRef idx="1">
-                <a:schemeClr val="accent1"/>
-              </a:fillRef>
-              <a:effectRef idx="0">
-                <a:schemeClr val="accent1"/>
-              </a:effectRef>
-              <a:fontRef idx="minor">
-                <a:schemeClr val="lt1"/>
-              </a:fontRef>
-            </p:style>
-            <p:txBody>
-              <a:bodyPr rtlCol="0" anchor="ctr"/>
-              <a:lstStyle/>
-              <a:p>
-                <a:pPr algn="ctr"/>
-                <a:endParaRPr lang="en-US" sz="1600"/>
-              </a:p>
-            </p:txBody>
-          </p:sp>
-          <p:sp>
-            <p:nvSpPr>
               <p:cNvPr id="53" name="Left Arrow 52"/>
               <p:cNvSpPr/>
               <p:nvPr/>
             </p:nvSpPr>
             <p:spPr>
               <a:xfrm rot="5400000">
-                <a:off x="5269215" y="4888749"/>
+                <a:off x="5326019" y="4872742"/>
                 <a:ext cx="1653570" cy="484632"/>
               </a:xfrm>
               <a:prstGeom prst="leftArrow">
@@ -4155,7 +4092,7 @@
             </p:nvSpPr>
             <p:spPr>
               <a:xfrm rot="16200000">
-                <a:off x="4693161" y="1860649"/>
+                <a:off x="4762016" y="1873091"/>
                 <a:ext cx="2805681" cy="484632"/>
               </a:xfrm>
               <a:prstGeom prst="leftArrow">
